--- a/ppt 16-9/0906.遥祝亲人.pptx
+++ b/ppt 16-9/0906.遥祝亲人.pptx
@@ -129,7 +129,7 @@
           <p:cNvPr id="2" name="标题 1">
             <a:extLst>
               <a:ext uri="{FF2B5EF4-FFF2-40B4-BE49-F238E27FC236}">
-                <a16:creationId xmlns:a16="http://schemas.microsoft.com/office/drawing/2014/main" id="{E6A34CF4-4815-13E3-978A-8CEAFE878FFB}"/>
+                <a16:creationId xmlns:a16="http://schemas.microsoft.com/office/drawing/2014/main" id="{AB38067F-7016-B061-5EE0-95D10493A442}"/>
               </a:ext>
             </a:extLst>
           </p:cNvPr>
@@ -166,7 +166,7 @@
           <p:cNvPr id="3" name="副标题 2">
             <a:extLst>
               <a:ext uri="{FF2B5EF4-FFF2-40B4-BE49-F238E27FC236}">
-                <a16:creationId xmlns:a16="http://schemas.microsoft.com/office/drawing/2014/main" id="{33C53C0B-C818-D72A-9740-635EBE01D8C9}"/>
+                <a16:creationId xmlns:a16="http://schemas.microsoft.com/office/drawing/2014/main" id="{EB41AF39-D6E2-3C2B-5B9F-E9C94E6ECCD1}"/>
               </a:ext>
             </a:extLst>
           </p:cNvPr>
@@ -236,7 +236,7 @@
           <p:cNvPr id="4" name="日期占位符 3">
             <a:extLst>
               <a:ext uri="{FF2B5EF4-FFF2-40B4-BE49-F238E27FC236}">
-                <a16:creationId xmlns:a16="http://schemas.microsoft.com/office/drawing/2014/main" id="{9917F1B5-DFAE-7C5E-EBFD-1BF5098F6AF9}"/>
+                <a16:creationId xmlns:a16="http://schemas.microsoft.com/office/drawing/2014/main" id="{0E2F41F6-12E5-93EB-9755-813369FC9469}"/>
               </a:ext>
             </a:extLst>
           </p:cNvPr>
@@ -252,7 +252,7 @@
           <a:bodyPr/>
           <a:lstStyle/>
           <a:p>
-            <a:fld id="{D3D0588A-89AE-4152-BC9D-39897AED102E}" type="datetimeFigureOut">
+            <a:fld id="{4635EB52-A3ED-45F2-B4AA-76CA8A46D56E}" type="datetimeFigureOut">
               <a:rPr lang="zh-CN" altLang="en-US" smtClean="0"/>
               <a:t>2024/3/10</a:t>
             </a:fld>
@@ -265,7 +265,7 @@
           <p:cNvPr id="5" name="页脚占位符 4">
             <a:extLst>
               <a:ext uri="{FF2B5EF4-FFF2-40B4-BE49-F238E27FC236}">
-                <a16:creationId xmlns:a16="http://schemas.microsoft.com/office/drawing/2014/main" id="{4A65F0D1-298B-6AD3-488F-B62CA657FB85}"/>
+                <a16:creationId xmlns:a16="http://schemas.microsoft.com/office/drawing/2014/main" id="{05EDB58D-0A3D-025E-29F2-5666D6C6AF9C}"/>
               </a:ext>
             </a:extLst>
           </p:cNvPr>
@@ -290,7 +290,7 @@
           <p:cNvPr id="6" name="灯片编号占位符 5">
             <a:extLst>
               <a:ext uri="{FF2B5EF4-FFF2-40B4-BE49-F238E27FC236}">
-                <a16:creationId xmlns:a16="http://schemas.microsoft.com/office/drawing/2014/main" id="{3FBCAD95-244B-6D06-0047-11A92CD1BAE7}"/>
+                <a16:creationId xmlns:a16="http://schemas.microsoft.com/office/drawing/2014/main" id="{456F26D5-CE28-FD6E-1BBE-A707BD3AD39C}"/>
               </a:ext>
             </a:extLst>
           </p:cNvPr>
@@ -306,7 +306,7 @@
           <a:bodyPr/>
           <a:lstStyle/>
           <a:p>
-            <a:fld id="{09309089-4A57-499B-8BBF-8B1926FB7CC1}" type="slidenum">
+            <a:fld id="{7B7939AF-65A4-4389-98D4-9E96641F08A4}" type="slidenum">
               <a:rPr lang="zh-CN" altLang="en-US" smtClean="0"/>
               <a:t>‹#›</a:t>
             </a:fld>
@@ -317,7 +317,7 @@
     </p:spTree>
     <p:extLst>
       <p:ext uri="{BB962C8B-B14F-4D97-AF65-F5344CB8AC3E}">
-        <p14:creationId xmlns:p14="http://schemas.microsoft.com/office/powerpoint/2010/main" val="1457910993"/>
+        <p14:creationId xmlns:p14="http://schemas.microsoft.com/office/powerpoint/2010/main" val="2945994090"/>
       </p:ext>
     </p:extLst>
   </p:cSld>
@@ -349,7 +349,7 @@
           <p:cNvPr id="2" name="标题 1">
             <a:extLst>
               <a:ext uri="{FF2B5EF4-FFF2-40B4-BE49-F238E27FC236}">
-                <a16:creationId xmlns:a16="http://schemas.microsoft.com/office/drawing/2014/main" id="{0F9342CD-6BB4-F3FC-E7C4-062A72CA7F07}"/>
+                <a16:creationId xmlns:a16="http://schemas.microsoft.com/office/drawing/2014/main" id="{B91D3661-2C4F-7CEA-DE0F-8AD703A1E3F2}"/>
               </a:ext>
             </a:extLst>
           </p:cNvPr>
@@ -377,7 +377,7 @@
           <p:cNvPr id="3" name="竖排文字占位符 2">
             <a:extLst>
               <a:ext uri="{FF2B5EF4-FFF2-40B4-BE49-F238E27FC236}">
-                <a16:creationId xmlns:a16="http://schemas.microsoft.com/office/drawing/2014/main" id="{0B6618CE-F38E-9A39-C67C-C608FF66FE60}"/>
+                <a16:creationId xmlns:a16="http://schemas.microsoft.com/office/drawing/2014/main" id="{000F6C09-A0CE-417F-4799-E5AAB507C211}"/>
               </a:ext>
             </a:extLst>
           </p:cNvPr>
@@ -434,7 +434,7 @@
           <p:cNvPr id="4" name="日期占位符 3">
             <a:extLst>
               <a:ext uri="{FF2B5EF4-FFF2-40B4-BE49-F238E27FC236}">
-                <a16:creationId xmlns:a16="http://schemas.microsoft.com/office/drawing/2014/main" id="{42C94CA2-AB2E-7427-5F0B-E04F880536FD}"/>
+                <a16:creationId xmlns:a16="http://schemas.microsoft.com/office/drawing/2014/main" id="{9A01F516-7641-61A4-2A22-F521555A0811}"/>
               </a:ext>
             </a:extLst>
           </p:cNvPr>
@@ -450,7 +450,7 @@
           <a:bodyPr/>
           <a:lstStyle/>
           <a:p>
-            <a:fld id="{D3D0588A-89AE-4152-BC9D-39897AED102E}" type="datetimeFigureOut">
+            <a:fld id="{4635EB52-A3ED-45F2-B4AA-76CA8A46D56E}" type="datetimeFigureOut">
               <a:rPr lang="zh-CN" altLang="en-US" smtClean="0"/>
               <a:t>2024/3/10</a:t>
             </a:fld>
@@ -463,7 +463,7 @@
           <p:cNvPr id="5" name="页脚占位符 4">
             <a:extLst>
               <a:ext uri="{FF2B5EF4-FFF2-40B4-BE49-F238E27FC236}">
-                <a16:creationId xmlns:a16="http://schemas.microsoft.com/office/drawing/2014/main" id="{D1C502C6-ABBF-300A-11CA-A682FB5E30AE}"/>
+                <a16:creationId xmlns:a16="http://schemas.microsoft.com/office/drawing/2014/main" id="{58037832-552B-FBBC-8A50-B8031F84842B}"/>
               </a:ext>
             </a:extLst>
           </p:cNvPr>
@@ -488,7 +488,7 @@
           <p:cNvPr id="6" name="灯片编号占位符 5">
             <a:extLst>
               <a:ext uri="{FF2B5EF4-FFF2-40B4-BE49-F238E27FC236}">
-                <a16:creationId xmlns:a16="http://schemas.microsoft.com/office/drawing/2014/main" id="{F3B1BC79-B9DF-96DE-AC4F-82EB1D58003E}"/>
+                <a16:creationId xmlns:a16="http://schemas.microsoft.com/office/drawing/2014/main" id="{83443380-BDC8-7D98-FBE0-5C1AA0A4DB10}"/>
               </a:ext>
             </a:extLst>
           </p:cNvPr>
@@ -504,7 +504,7 @@
           <a:bodyPr/>
           <a:lstStyle/>
           <a:p>
-            <a:fld id="{09309089-4A57-499B-8BBF-8B1926FB7CC1}" type="slidenum">
+            <a:fld id="{7B7939AF-65A4-4389-98D4-9E96641F08A4}" type="slidenum">
               <a:rPr lang="zh-CN" altLang="en-US" smtClean="0"/>
               <a:t>‹#›</a:t>
             </a:fld>
@@ -515,7 +515,7 @@
     </p:spTree>
     <p:extLst>
       <p:ext uri="{BB962C8B-B14F-4D97-AF65-F5344CB8AC3E}">
-        <p14:creationId xmlns:p14="http://schemas.microsoft.com/office/powerpoint/2010/main" val="1196603673"/>
+        <p14:creationId xmlns:p14="http://schemas.microsoft.com/office/powerpoint/2010/main" val="112358679"/>
       </p:ext>
     </p:extLst>
   </p:cSld>
@@ -547,7 +547,7 @@
           <p:cNvPr id="2" name="竖排标题 1">
             <a:extLst>
               <a:ext uri="{FF2B5EF4-FFF2-40B4-BE49-F238E27FC236}">
-                <a16:creationId xmlns:a16="http://schemas.microsoft.com/office/drawing/2014/main" id="{D72DF0A5-77CE-B0EB-5B63-1812B4A1D86B}"/>
+                <a16:creationId xmlns:a16="http://schemas.microsoft.com/office/drawing/2014/main" id="{94F2A4F7-107F-25E0-0100-320FD1D91D18}"/>
               </a:ext>
             </a:extLst>
           </p:cNvPr>
@@ -580,7 +580,7 @@
           <p:cNvPr id="3" name="竖排文字占位符 2">
             <a:extLst>
               <a:ext uri="{FF2B5EF4-FFF2-40B4-BE49-F238E27FC236}">
-                <a16:creationId xmlns:a16="http://schemas.microsoft.com/office/drawing/2014/main" id="{0C4D0594-0C47-CEAD-0110-EF757534D233}"/>
+                <a16:creationId xmlns:a16="http://schemas.microsoft.com/office/drawing/2014/main" id="{CBF99C02-986D-6B4B-3312-F8CF16568C8D}"/>
               </a:ext>
             </a:extLst>
           </p:cNvPr>
@@ -642,7 +642,7 @@
           <p:cNvPr id="4" name="日期占位符 3">
             <a:extLst>
               <a:ext uri="{FF2B5EF4-FFF2-40B4-BE49-F238E27FC236}">
-                <a16:creationId xmlns:a16="http://schemas.microsoft.com/office/drawing/2014/main" id="{C4177817-8AEB-B273-C561-825A3A48076E}"/>
+                <a16:creationId xmlns:a16="http://schemas.microsoft.com/office/drawing/2014/main" id="{58B352CE-98EA-B0A8-D4CE-C60D9FD77A25}"/>
               </a:ext>
             </a:extLst>
           </p:cNvPr>
@@ -658,7 +658,7 @@
           <a:bodyPr/>
           <a:lstStyle/>
           <a:p>
-            <a:fld id="{D3D0588A-89AE-4152-BC9D-39897AED102E}" type="datetimeFigureOut">
+            <a:fld id="{4635EB52-A3ED-45F2-B4AA-76CA8A46D56E}" type="datetimeFigureOut">
               <a:rPr lang="zh-CN" altLang="en-US" smtClean="0"/>
               <a:t>2024/3/10</a:t>
             </a:fld>
@@ -671,7 +671,7 @@
           <p:cNvPr id="5" name="页脚占位符 4">
             <a:extLst>
               <a:ext uri="{FF2B5EF4-FFF2-40B4-BE49-F238E27FC236}">
-                <a16:creationId xmlns:a16="http://schemas.microsoft.com/office/drawing/2014/main" id="{B28F2DEA-CB06-52EF-629A-1ACC57D95E4A}"/>
+                <a16:creationId xmlns:a16="http://schemas.microsoft.com/office/drawing/2014/main" id="{20267F54-9B06-ADE6-5C61-FF58E72A196B}"/>
               </a:ext>
             </a:extLst>
           </p:cNvPr>
@@ -696,7 +696,7 @@
           <p:cNvPr id="6" name="灯片编号占位符 5">
             <a:extLst>
               <a:ext uri="{FF2B5EF4-FFF2-40B4-BE49-F238E27FC236}">
-                <a16:creationId xmlns:a16="http://schemas.microsoft.com/office/drawing/2014/main" id="{D7263881-9BBC-1EA8-B6B0-E0FE03C6EDC4}"/>
+                <a16:creationId xmlns:a16="http://schemas.microsoft.com/office/drawing/2014/main" id="{7D0534E7-0130-784B-DC3E-8E3F4BB5687B}"/>
               </a:ext>
             </a:extLst>
           </p:cNvPr>
@@ -712,7 +712,7 @@
           <a:bodyPr/>
           <a:lstStyle/>
           <a:p>
-            <a:fld id="{09309089-4A57-499B-8BBF-8B1926FB7CC1}" type="slidenum">
+            <a:fld id="{7B7939AF-65A4-4389-98D4-9E96641F08A4}" type="slidenum">
               <a:rPr lang="zh-CN" altLang="en-US" smtClean="0"/>
               <a:t>‹#›</a:t>
             </a:fld>
@@ -723,7 +723,7 @@
     </p:spTree>
     <p:extLst>
       <p:ext uri="{BB962C8B-B14F-4D97-AF65-F5344CB8AC3E}">
-        <p14:creationId xmlns:p14="http://schemas.microsoft.com/office/powerpoint/2010/main" val="3646269142"/>
+        <p14:creationId xmlns:p14="http://schemas.microsoft.com/office/powerpoint/2010/main" val="747196168"/>
       </p:ext>
     </p:extLst>
   </p:cSld>
@@ -755,7 +755,7 @@
           <p:cNvPr id="2" name="标题 1">
             <a:extLst>
               <a:ext uri="{FF2B5EF4-FFF2-40B4-BE49-F238E27FC236}">
-                <a16:creationId xmlns:a16="http://schemas.microsoft.com/office/drawing/2014/main" id="{10A0DD4A-8995-7F8B-AC89-EA778E14179D}"/>
+                <a16:creationId xmlns:a16="http://schemas.microsoft.com/office/drawing/2014/main" id="{DCF27BB9-2EC9-304D-F057-A090F97470D2}"/>
               </a:ext>
             </a:extLst>
           </p:cNvPr>
@@ -783,7 +783,7 @@
           <p:cNvPr id="3" name="内容占位符 2">
             <a:extLst>
               <a:ext uri="{FF2B5EF4-FFF2-40B4-BE49-F238E27FC236}">
-                <a16:creationId xmlns:a16="http://schemas.microsoft.com/office/drawing/2014/main" id="{241E74D6-B3E1-369F-A19B-60CCC59588E6}"/>
+                <a16:creationId xmlns:a16="http://schemas.microsoft.com/office/drawing/2014/main" id="{C812266A-DDF5-2E4B-F190-61D4332273B6}"/>
               </a:ext>
             </a:extLst>
           </p:cNvPr>
@@ -840,7 +840,7 @@
           <p:cNvPr id="4" name="日期占位符 3">
             <a:extLst>
               <a:ext uri="{FF2B5EF4-FFF2-40B4-BE49-F238E27FC236}">
-                <a16:creationId xmlns:a16="http://schemas.microsoft.com/office/drawing/2014/main" id="{5392AE4E-6AA5-1F5F-D73F-362AB42A1AFA}"/>
+                <a16:creationId xmlns:a16="http://schemas.microsoft.com/office/drawing/2014/main" id="{F369A321-6902-B477-F2E0-D659365DEEC4}"/>
               </a:ext>
             </a:extLst>
           </p:cNvPr>
@@ -856,7 +856,7 @@
           <a:bodyPr/>
           <a:lstStyle/>
           <a:p>
-            <a:fld id="{D3D0588A-89AE-4152-BC9D-39897AED102E}" type="datetimeFigureOut">
+            <a:fld id="{4635EB52-A3ED-45F2-B4AA-76CA8A46D56E}" type="datetimeFigureOut">
               <a:rPr lang="zh-CN" altLang="en-US" smtClean="0"/>
               <a:t>2024/3/10</a:t>
             </a:fld>
@@ -869,7 +869,7 @@
           <p:cNvPr id="5" name="页脚占位符 4">
             <a:extLst>
               <a:ext uri="{FF2B5EF4-FFF2-40B4-BE49-F238E27FC236}">
-                <a16:creationId xmlns:a16="http://schemas.microsoft.com/office/drawing/2014/main" id="{1B3EE1E7-8149-0012-F5A5-74F41BAEBD12}"/>
+                <a16:creationId xmlns:a16="http://schemas.microsoft.com/office/drawing/2014/main" id="{03FBD70F-31CF-18FF-EA02-30CB07E6B494}"/>
               </a:ext>
             </a:extLst>
           </p:cNvPr>
@@ -894,7 +894,7 @@
           <p:cNvPr id="6" name="灯片编号占位符 5">
             <a:extLst>
               <a:ext uri="{FF2B5EF4-FFF2-40B4-BE49-F238E27FC236}">
-                <a16:creationId xmlns:a16="http://schemas.microsoft.com/office/drawing/2014/main" id="{08A19020-B722-73BA-26F5-357A0D1C139B}"/>
+                <a16:creationId xmlns:a16="http://schemas.microsoft.com/office/drawing/2014/main" id="{5777C99E-DBFB-BC52-303B-6C43AA27CC30}"/>
               </a:ext>
             </a:extLst>
           </p:cNvPr>
@@ -910,7 +910,7 @@
           <a:bodyPr/>
           <a:lstStyle/>
           <a:p>
-            <a:fld id="{09309089-4A57-499B-8BBF-8B1926FB7CC1}" type="slidenum">
+            <a:fld id="{7B7939AF-65A4-4389-98D4-9E96641F08A4}" type="slidenum">
               <a:rPr lang="zh-CN" altLang="en-US" smtClean="0"/>
               <a:t>‹#›</a:t>
             </a:fld>
@@ -921,7 +921,7 @@
     </p:spTree>
     <p:extLst>
       <p:ext uri="{BB962C8B-B14F-4D97-AF65-F5344CB8AC3E}">
-        <p14:creationId xmlns:p14="http://schemas.microsoft.com/office/powerpoint/2010/main" val="3339397544"/>
+        <p14:creationId xmlns:p14="http://schemas.microsoft.com/office/powerpoint/2010/main" val="1289361337"/>
       </p:ext>
     </p:extLst>
   </p:cSld>
@@ -953,7 +953,7 @@
           <p:cNvPr id="2" name="标题 1">
             <a:extLst>
               <a:ext uri="{FF2B5EF4-FFF2-40B4-BE49-F238E27FC236}">
-                <a16:creationId xmlns:a16="http://schemas.microsoft.com/office/drawing/2014/main" id="{E13B5009-B78C-780E-4D3D-62FA317DA207}"/>
+                <a16:creationId xmlns:a16="http://schemas.microsoft.com/office/drawing/2014/main" id="{39137DDD-6454-15A3-2C5D-52E65C84EF01}"/>
               </a:ext>
             </a:extLst>
           </p:cNvPr>
@@ -990,7 +990,7 @@
           <p:cNvPr id="3" name="文本占位符 2">
             <a:extLst>
               <a:ext uri="{FF2B5EF4-FFF2-40B4-BE49-F238E27FC236}">
-                <a16:creationId xmlns:a16="http://schemas.microsoft.com/office/drawing/2014/main" id="{EF55242A-3CD2-5BBE-7302-05C7CB674B6A}"/>
+                <a16:creationId xmlns:a16="http://schemas.microsoft.com/office/drawing/2014/main" id="{E6A99ABB-8FAC-3D8C-54E0-44A38E808FF0}"/>
               </a:ext>
             </a:extLst>
           </p:cNvPr>
@@ -1115,7 +1115,7 @@
           <p:cNvPr id="4" name="日期占位符 3">
             <a:extLst>
               <a:ext uri="{FF2B5EF4-FFF2-40B4-BE49-F238E27FC236}">
-                <a16:creationId xmlns:a16="http://schemas.microsoft.com/office/drawing/2014/main" id="{B592F963-5B2F-36EB-D563-4D3115434BEA}"/>
+                <a16:creationId xmlns:a16="http://schemas.microsoft.com/office/drawing/2014/main" id="{112E1B77-992C-0F02-CF7A-6AE0BD597950}"/>
               </a:ext>
             </a:extLst>
           </p:cNvPr>
@@ -1131,7 +1131,7 @@
           <a:bodyPr/>
           <a:lstStyle/>
           <a:p>
-            <a:fld id="{D3D0588A-89AE-4152-BC9D-39897AED102E}" type="datetimeFigureOut">
+            <a:fld id="{4635EB52-A3ED-45F2-B4AA-76CA8A46D56E}" type="datetimeFigureOut">
               <a:rPr lang="zh-CN" altLang="en-US" smtClean="0"/>
               <a:t>2024/3/10</a:t>
             </a:fld>
@@ -1144,7 +1144,7 @@
           <p:cNvPr id="5" name="页脚占位符 4">
             <a:extLst>
               <a:ext uri="{FF2B5EF4-FFF2-40B4-BE49-F238E27FC236}">
-                <a16:creationId xmlns:a16="http://schemas.microsoft.com/office/drawing/2014/main" id="{3A748031-254A-298E-AE33-8D8C55FE6C51}"/>
+                <a16:creationId xmlns:a16="http://schemas.microsoft.com/office/drawing/2014/main" id="{F34AE636-FDBE-4F39-3A79-8DD93E7B040E}"/>
               </a:ext>
             </a:extLst>
           </p:cNvPr>
@@ -1169,7 +1169,7 @@
           <p:cNvPr id="6" name="灯片编号占位符 5">
             <a:extLst>
               <a:ext uri="{FF2B5EF4-FFF2-40B4-BE49-F238E27FC236}">
-                <a16:creationId xmlns:a16="http://schemas.microsoft.com/office/drawing/2014/main" id="{C0F2519B-BCE1-EC6C-A99B-15F15F491EFE}"/>
+                <a16:creationId xmlns:a16="http://schemas.microsoft.com/office/drawing/2014/main" id="{DC5E24E6-C32C-7409-8281-491E6B901F4F}"/>
               </a:ext>
             </a:extLst>
           </p:cNvPr>
@@ -1185,7 +1185,7 @@
           <a:bodyPr/>
           <a:lstStyle/>
           <a:p>
-            <a:fld id="{09309089-4A57-499B-8BBF-8B1926FB7CC1}" type="slidenum">
+            <a:fld id="{7B7939AF-65A4-4389-98D4-9E96641F08A4}" type="slidenum">
               <a:rPr lang="zh-CN" altLang="en-US" smtClean="0"/>
               <a:t>‹#›</a:t>
             </a:fld>
@@ -1196,7 +1196,7 @@
     </p:spTree>
     <p:extLst>
       <p:ext uri="{BB962C8B-B14F-4D97-AF65-F5344CB8AC3E}">
-        <p14:creationId xmlns:p14="http://schemas.microsoft.com/office/powerpoint/2010/main" val="1219146690"/>
+        <p14:creationId xmlns:p14="http://schemas.microsoft.com/office/powerpoint/2010/main" val="3855951791"/>
       </p:ext>
     </p:extLst>
   </p:cSld>
@@ -1228,7 +1228,7 @@
           <p:cNvPr id="2" name="标题 1">
             <a:extLst>
               <a:ext uri="{FF2B5EF4-FFF2-40B4-BE49-F238E27FC236}">
-                <a16:creationId xmlns:a16="http://schemas.microsoft.com/office/drawing/2014/main" id="{DD478277-63E6-7036-416F-2C5585E94597}"/>
+                <a16:creationId xmlns:a16="http://schemas.microsoft.com/office/drawing/2014/main" id="{FE354729-480F-0C9D-D36B-3F825D5F9767}"/>
               </a:ext>
             </a:extLst>
           </p:cNvPr>
@@ -1256,7 +1256,7 @@
           <p:cNvPr id="3" name="内容占位符 2">
             <a:extLst>
               <a:ext uri="{FF2B5EF4-FFF2-40B4-BE49-F238E27FC236}">
-                <a16:creationId xmlns:a16="http://schemas.microsoft.com/office/drawing/2014/main" id="{ECE82B3A-E08A-3F05-9E60-C9925A33101A}"/>
+                <a16:creationId xmlns:a16="http://schemas.microsoft.com/office/drawing/2014/main" id="{B2878666-9BCF-09D3-8DAA-B93E8239D297}"/>
               </a:ext>
             </a:extLst>
           </p:cNvPr>
@@ -1318,7 +1318,7 @@
           <p:cNvPr id="4" name="内容占位符 3">
             <a:extLst>
               <a:ext uri="{FF2B5EF4-FFF2-40B4-BE49-F238E27FC236}">
-                <a16:creationId xmlns:a16="http://schemas.microsoft.com/office/drawing/2014/main" id="{55DD4F01-2488-3815-A50C-C16FA2B280C4}"/>
+                <a16:creationId xmlns:a16="http://schemas.microsoft.com/office/drawing/2014/main" id="{DD313914-3E49-CEAF-7B87-3E0E2D8A1E18}"/>
               </a:ext>
             </a:extLst>
           </p:cNvPr>
@@ -1380,7 +1380,7 @@
           <p:cNvPr id="5" name="日期占位符 4">
             <a:extLst>
               <a:ext uri="{FF2B5EF4-FFF2-40B4-BE49-F238E27FC236}">
-                <a16:creationId xmlns:a16="http://schemas.microsoft.com/office/drawing/2014/main" id="{40CA0F08-7F99-BDB6-379F-5B1CA3F87F6E}"/>
+                <a16:creationId xmlns:a16="http://schemas.microsoft.com/office/drawing/2014/main" id="{2EFE00B9-CD58-4F0A-A3AB-130ACD96B4D4}"/>
               </a:ext>
             </a:extLst>
           </p:cNvPr>
@@ -1396,7 +1396,7 @@
           <a:bodyPr/>
           <a:lstStyle/>
           <a:p>
-            <a:fld id="{D3D0588A-89AE-4152-BC9D-39897AED102E}" type="datetimeFigureOut">
+            <a:fld id="{4635EB52-A3ED-45F2-B4AA-76CA8A46D56E}" type="datetimeFigureOut">
               <a:rPr lang="zh-CN" altLang="en-US" smtClean="0"/>
               <a:t>2024/3/10</a:t>
             </a:fld>
@@ -1409,7 +1409,7 @@
           <p:cNvPr id="6" name="页脚占位符 5">
             <a:extLst>
               <a:ext uri="{FF2B5EF4-FFF2-40B4-BE49-F238E27FC236}">
-                <a16:creationId xmlns:a16="http://schemas.microsoft.com/office/drawing/2014/main" id="{4B038E05-ADA5-1380-BEDA-F9448785D3AA}"/>
+                <a16:creationId xmlns:a16="http://schemas.microsoft.com/office/drawing/2014/main" id="{7CB5E816-FAF7-DE26-A54C-5DF00D30D7CC}"/>
               </a:ext>
             </a:extLst>
           </p:cNvPr>
@@ -1434,7 +1434,7 @@
           <p:cNvPr id="7" name="灯片编号占位符 6">
             <a:extLst>
               <a:ext uri="{FF2B5EF4-FFF2-40B4-BE49-F238E27FC236}">
-                <a16:creationId xmlns:a16="http://schemas.microsoft.com/office/drawing/2014/main" id="{58881858-FC91-5AEA-1EFE-FA6D1E636ABB}"/>
+                <a16:creationId xmlns:a16="http://schemas.microsoft.com/office/drawing/2014/main" id="{3E663814-C188-7DE5-540F-B671D1553661}"/>
               </a:ext>
             </a:extLst>
           </p:cNvPr>
@@ -1450,7 +1450,7 @@
           <a:bodyPr/>
           <a:lstStyle/>
           <a:p>
-            <a:fld id="{09309089-4A57-499B-8BBF-8B1926FB7CC1}" type="slidenum">
+            <a:fld id="{7B7939AF-65A4-4389-98D4-9E96641F08A4}" type="slidenum">
               <a:rPr lang="zh-CN" altLang="en-US" smtClean="0"/>
               <a:t>‹#›</a:t>
             </a:fld>
@@ -1461,7 +1461,7 @@
     </p:spTree>
     <p:extLst>
       <p:ext uri="{BB962C8B-B14F-4D97-AF65-F5344CB8AC3E}">
-        <p14:creationId xmlns:p14="http://schemas.microsoft.com/office/powerpoint/2010/main" val="4187775813"/>
+        <p14:creationId xmlns:p14="http://schemas.microsoft.com/office/powerpoint/2010/main" val="3416370768"/>
       </p:ext>
     </p:extLst>
   </p:cSld>
@@ -1493,7 +1493,7 @@
           <p:cNvPr id="2" name="标题 1">
             <a:extLst>
               <a:ext uri="{FF2B5EF4-FFF2-40B4-BE49-F238E27FC236}">
-                <a16:creationId xmlns:a16="http://schemas.microsoft.com/office/drawing/2014/main" id="{E30A30AA-2978-334F-AED0-576B79DB7552}"/>
+                <a16:creationId xmlns:a16="http://schemas.microsoft.com/office/drawing/2014/main" id="{8F3E610F-C500-DFFC-D5B8-421EA729D80B}"/>
               </a:ext>
             </a:extLst>
           </p:cNvPr>
@@ -1526,7 +1526,7 @@
           <p:cNvPr id="3" name="文本占位符 2">
             <a:extLst>
               <a:ext uri="{FF2B5EF4-FFF2-40B4-BE49-F238E27FC236}">
-                <a16:creationId xmlns:a16="http://schemas.microsoft.com/office/drawing/2014/main" id="{F6EE9221-D6A5-0833-5D60-FACA42C10836}"/>
+                <a16:creationId xmlns:a16="http://schemas.microsoft.com/office/drawing/2014/main" id="{37F91D9A-620F-490A-BF4E-25BD2BBF0B85}"/>
               </a:ext>
             </a:extLst>
           </p:cNvPr>
@@ -1597,7 +1597,7 @@
           <p:cNvPr id="4" name="内容占位符 3">
             <a:extLst>
               <a:ext uri="{FF2B5EF4-FFF2-40B4-BE49-F238E27FC236}">
-                <a16:creationId xmlns:a16="http://schemas.microsoft.com/office/drawing/2014/main" id="{4F70D719-7E65-7E3B-01F8-4C04C794A590}"/>
+                <a16:creationId xmlns:a16="http://schemas.microsoft.com/office/drawing/2014/main" id="{E6E3A740-8DAC-37AA-C58C-20D8A9806F1F}"/>
               </a:ext>
             </a:extLst>
           </p:cNvPr>
@@ -1659,7 +1659,7 @@
           <p:cNvPr id="5" name="文本占位符 4">
             <a:extLst>
               <a:ext uri="{FF2B5EF4-FFF2-40B4-BE49-F238E27FC236}">
-                <a16:creationId xmlns:a16="http://schemas.microsoft.com/office/drawing/2014/main" id="{8EE25C4A-57B1-A2BD-60C0-7B179D44CDD8}"/>
+                <a16:creationId xmlns:a16="http://schemas.microsoft.com/office/drawing/2014/main" id="{49280333-26F7-45BD-BD83-1DEDADBDAC55}"/>
               </a:ext>
             </a:extLst>
           </p:cNvPr>
@@ -1730,7 +1730,7 @@
           <p:cNvPr id="6" name="内容占位符 5">
             <a:extLst>
               <a:ext uri="{FF2B5EF4-FFF2-40B4-BE49-F238E27FC236}">
-                <a16:creationId xmlns:a16="http://schemas.microsoft.com/office/drawing/2014/main" id="{BD50E675-DD97-4315-B7D7-BFF50A230254}"/>
+                <a16:creationId xmlns:a16="http://schemas.microsoft.com/office/drawing/2014/main" id="{560ECCB0-578E-9BEF-78B7-57F108D198D5}"/>
               </a:ext>
             </a:extLst>
           </p:cNvPr>
@@ -1792,7 +1792,7 @@
           <p:cNvPr id="7" name="日期占位符 6">
             <a:extLst>
               <a:ext uri="{FF2B5EF4-FFF2-40B4-BE49-F238E27FC236}">
-                <a16:creationId xmlns:a16="http://schemas.microsoft.com/office/drawing/2014/main" id="{901C428E-A18B-E1DD-E4AD-296AC7BFD9E8}"/>
+                <a16:creationId xmlns:a16="http://schemas.microsoft.com/office/drawing/2014/main" id="{354BCA10-6D17-0DA3-4894-2690F784F018}"/>
               </a:ext>
             </a:extLst>
           </p:cNvPr>
@@ -1808,7 +1808,7 @@
           <a:bodyPr/>
           <a:lstStyle/>
           <a:p>
-            <a:fld id="{D3D0588A-89AE-4152-BC9D-39897AED102E}" type="datetimeFigureOut">
+            <a:fld id="{4635EB52-A3ED-45F2-B4AA-76CA8A46D56E}" type="datetimeFigureOut">
               <a:rPr lang="zh-CN" altLang="en-US" smtClean="0"/>
               <a:t>2024/3/10</a:t>
             </a:fld>
@@ -1821,7 +1821,7 @@
           <p:cNvPr id="8" name="页脚占位符 7">
             <a:extLst>
               <a:ext uri="{FF2B5EF4-FFF2-40B4-BE49-F238E27FC236}">
-                <a16:creationId xmlns:a16="http://schemas.microsoft.com/office/drawing/2014/main" id="{FAA29F64-7DC5-71C8-1BA1-1E27B2779CE8}"/>
+                <a16:creationId xmlns:a16="http://schemas.microsoft.com/office/drawing/2014/main" id="{63A0B164-52F0-4573-C197-4A98138BA90B}"/>
               </a:ext>
             </a:extLst>
           </p:cNvPr>
@@ -1846,7 +1846,7 @@
           <p:cNvPr id="9" name="灯片编号占位符 8">
             <a:extLst>
               <a:ext uri="{FF2B5EF4-FFF2-40B4-BE49-F238E27FC236}">
-                <a16:creationId xmlns:a16="http://schemas.microsoft.com/office/drawing/2014/main" id="{35A38DA8-EA89-1F0D-AC23-7EA4614DE154}"/>
+                <a16:creationId xmlns:a16="http://schemas.microsoft.com/office/drawing/2014/main" id="{035DF518-3D8D-C2B8-5000-7472F2578F78}"/>
               </a:ext>
             </a:extLst>
           </p:cNvPr>
@@ -1862,7 +1862,7 @@
           <a:bodyPr/>
           <a:lstStyle/>
           <a:p>
-            <a:fld id="{09309089-4A57-499B-8BBF-8B1926FB7CC1}" type="slidenum">
+            <a:fld id="{7B7939AF-65A4-4389-98D4-9E96641F08A4}" type="slidenum">
               <a:rPr lang="zh-CN" altLang="en-US" smtClean="0"/>
               <a:t>‹#›</a:t>
             </a:fld>
@@ -1873,7 +1873,7 @@
     </p:spTree>
     <p:extLst>
       <p:ext uri="{BB962C8B-B14F-4D97-AF65-F5344CB8AC3E}">
-        <p14:creationId xmlns:p14="http://schemas.microsoft.com/office/powerpoint/2010/main" val="2849621299"/>
+        <p14:creationId xmlns:p14="http://schemas.microsoft.com/office/powerpoint/2010/main" val="2175622777"/>
       </p:ext>
     </p:extLst>
   </p:cSld>
@@ -1905,7 +1905,7 @@
           <p:cNvPr id="2" name="标题 1">
             <a:extLst>
               <a:ext uri="{FF2B5EF4-FFF2-40B4-BE49-F238E27FC236}">
-                <a16:creationId xmlns:a16="http://schemas.microsoft.com/office/drawing/2014/main" id="{5EB08310-994A-6C79-7D40-F9A6AF5D1077}"/>
+                <a16:creationId xmlns:a16="http://schemas.microsoft.com/office/drawing/2014/main" id="{096944A7-BA7F-CFDF-824D-036DCA2838A9}"/>
               </a:ext>
             </a:extLst>
           </p:cNvPr>
@@ -1933,7 +1933,7 @@
           <p:cNvPr id="3" name="日期占位符 2">
             <a:extLst>
               <a:ext uri="{FF2B5EF4-FFF2-40B4-BE49-F238E27FC236}">
-                <a16:creationId xmlns:a16="http://schemas.microsoft.com/office/drawing/2014/main" id="{6AAA099D-36C8-27B3-3158-3B5E217F1538}"/>
+                <a16:creationId xmlns:a16="http://schemas.microsoft.com/office/drawing/2014/main" id="{D0D8E22E-B145-8817-004F-69F60C2A87F1}"/>
               </a:ext>
             </a:extLst>
           </p:cNvPr>
@@ -1949,7 +1949,7 @@
           <a:bodyPr/>
           <a:lstStyle/>
           <a:p>
-            <a:fld id="{D3D0588A-89AE-4152-BC9D-39897AED102E}" type="datetimeFigureOut">
+            <a:fld id="{4635EB52-A3ED-45F2-B4AA-76CA8A46D56E}" type="datetimeFigureOut">
               <a:rPr lang="zh-CN" altLang="en-US" smtClean="0"/>
               <a:t>2024/3/10</a:t>
             </a:fld>
@@ -1962,7 +1962,7 @@
           <p:cNvPr id="4" name="页脚占位符 3">
             <a:extLst>
               <a:ext uri="{FF2B5EF4-FFF2-40B4-BE49-F238E27FC236}">
-                <a16:creationId xmlns:a16="http://schemas.microsoft.com/office/drawing/2014/main" id="{90990F47-3391-A560-B0F9-F80EB5570DFE}"/>
+                <a16:creationId xmlns:a16="http://schemas.microsoft.com/office/drawing/2014/main" id="{CB9FBC87-C20F-D578-5162-13E2C4C6BF88}"/>
               </a:ext>
             </a:extLst>
           </p:cNvPr>
@@ -1987,7 +1987,7 @@
           <p:cNvPr id="5" name="灯片编号占位符 4">
             <a:extLst>
               <a:ext uri="{FF2B5EF4-FFF2-40B4-BE49-F238E27FC236}">
-                <a16:creationId xmlns:a16="http://schemas.microsoft.com/office/drawing/2014/main" id="{D4A72E05-B5F7-FA73-0F3F-1718EEE78709}"/>
+                <a16:creationId xmlns:a16="http://schemas.microsoft.com/office/drawing/2014/main" id="{14ED230C-4AEE-2FB8-48A8-BDDE51710907}"/>
               </a:ext>
             </a:extLst>
           </p:cNvPr>
@@ -2003,7 +2003,7 @@
           <a:bodyPr/>
           <a:lstStyle/>
           <a:p>
-            <a:fld id="{09309089-4A57-499B-8BBF-8B1926FB7CC1}" type="slidenum">
+            <a:fld id="{7B7939AF-65A4-4389-98D4-9E96641F08A4}" type="slidenum">
               <a:rPr lang="zh-CN" altLang="en-US" smtClean="0"/>
               <a:t>‹#›</a:t>
             </a:fld>
@@ -2014,7 +2014,7 @@
     </p:spTree>
     <p:extLst>
       <p:ext uri="{BB962C8B-B14F-4D97-AF65-F5344CB8AC3E}">
-        <p14:creationId xmlns:p14="http://schemas.microsoft.com/office/powerpoint/2010/main" val="3898565157"/>
+        <p14:creationId xmlns:p14="http://schemas.microsoft.com/office/powerpoint/2010/main" val="3650610853"/>
       </p:ext>
     </p:extLst>
   </p:cSld>
@@ -2046,7 +2046,7 @@
           <p:cNvPr id="2" name="日期占位符 1">
             <a:extLst>
               <a:ext uri="{FF2B5EF4-FFF2-40B4-BE49-F238E27FC236}">
-                <a16:creationId xmlns:a16="http://schemas.microsoft.com/office/drawing/2014/main" id="{27124F5F-8D27-EEBF-446D-2FD632AB9733}"/>
+                <a16:creationId xmlns:a16="http://schemas.microsoft.com/office/drawing/2014/main" id="{F139E535-ED30-2C13-B0DA-980463D68D1E}"/>
               </a:ext>
             </a:extLst>
           </p:cNvPr>
@@ -2062,7 +2062,7 @@
           <a:bodyPr/>
           <a:lstStyle/>
           <a:p>
-            <a:fld id="{D3D0588A-89AE-4152-BC9D-39897AED102E}" type="datetimeFigureOut">
+            <a:fld id="{4635EB52-A3ED-45F2-B4AA-76CA8A46D56E}" type="datetimeFigureOut">
               <a:rPr lang="zh-CN" altLang="en-US" smtClean="0"/>
               <a:t>2024/3/10</a:t>
             </a:fld>
@@ -2075,7 +2075,7 @@
           <p:cNvPr id="3" name="页脚占位符 2">
             <a:extLst>
               <a:ext uri="{FF2B5EF4-FFF2-40B4-BE49-F238E27FC236}">
-                <a16:creationId xmlns:a16="http://schemas.microsoft.com/office/drawing/2014/main" id="{55CD498D-7573-35E7-95FB-09B73286F7C2}"/>
+                <a16:creationId xmlns:a16="http://schemas.microsoft.com/office/drawing/2014/main" id="{16649F01-6290-56E4-F0C2-EC32EC0980D2}"/>
               </a:ext>
             </a:extLst>
           </p:cNvPr>
@@ -2100,7 +2100,7 @@
           <p:cNvPr id="4" name="灯片编号占位符 3">
             <a:extLst>
               <a:ext uri="{FF2B5EF4-FFF2-40B4-BE49-F238E27FC236}">
-                <a16:creationId xmlns:a16="http://schemas.microsoft.com/office/drawing/2014/main" id="{99D4FFBC-0635-2A7F-0483-0F9951E3D5E5}"/>
+                <a16:creationId xmlns:a16="http://schemas.microsoft.com/office/drawing/2014/main" id="{5B770B65-3F2D-F94B-13E1-398307C264C9}"/>
               </a:ext>
             </a:extLst>
           </p:cNvPr>
@@ -2116,7 +2116,7 @@
           <a:bodyPr/>
           <a:lstStyle/>
           <a:p>
-            <a:fld id="{09309089-4A57-499B-8BBF-8B1926FB7CC1}" type="slidenum">
+            <a:fld id="{7B7939AF-65A4-4389-98D4-9E96641F08A4}" type="slidenum">
               <a:rPr lang="zh-CN" altLang="en-US" smtClean="0"/>
               <a:t>‹#›</a:t>
             </a:fld>
@@ -2127,7 +2127,7 @@
     </p:spTree>
     <p:extLst>
       <p:ext uri="{BB962C8B-B14F-4D97-AF65-F5344CB8AC3E}">
-        <p14:creationId xmlns:p14="http://schemas.microsoft.com/office/powerpoint/2010/main" val="1074921800"/>
+        <p14:creationId xmlns:p14="http://schemas.microsoft.com/office/powerpoint/2010/main" val="730391690"/>
       </p:ext>
     </p:extLst>
   </p:cSld>
@@ -2159,7 +2159,7 @@
           <p:cNvPr id="2" name="标题 1">
             <a:extLst>
               <a:ext uri="{FF2B5EF4-FFF2-40B4-BE49-F238E27FC236}">
-                <a16:creationId xmlns:a16="http://schemas.microsoft.com/office/drawing/2014/main" id="{D0A53DAB-629F-ED78-2502-E75EAA3B1520}"/>
+                <a16:creationId xmlns:a16="http://schemas.microsoft.com/office/drawing/2014/main" id="{1BA32BA6-C084-D591-B296-BAF5D2F8E86A}"/>
               </a:ext>
             </a:extLst>
           </p:cNvPr>
@@ -2196,7 +2196,7 @@
           <p:cNvPr id="3" name="内容占位符 2">
             <a:extLst>
               <a:ext uri="{FF2B5EF4-FFF2-40B4-BE49-F238E27FC236}">
-                <a16:creationId xmlns:a16="http://schemas.microsoft.com/office/drawing/2014/main" id="{0A5330F4-DEC1-D5CA-9FDE-35BF85657843}"/>
+                <a16:creationId xmlns:a16="http://schemas.microsoft.com/office/drawing/2014/main" id="{3F3BC880-B877-1702-AA31-A5BFE0335C16}"/>
               </a:ext>
             </a:extLst>
           </p:cNvPr>
@@ -2286,7 +2286,7 @@
           <p:cNvPr id="4" name="文本占位符 3">
             <a:extLst>
               <a:ext uri="{FF2B5EF4-FFF2-40B4-BE49-F238E27FC236}">
-                <a16:creationId xmlns:a16="http://schemas.microsoft.com/office/drawing/2014/main" id="{F0C1F728-B5E3-851F-B442-9EB2981913AC}"/>
+                <a16:creationId xmlns:a16="http://schemas.microsoft.com/office/drawing/2014/main" id="{4F7C96A2-2AE8-0721-2365-27B3EB4393AF}"/>
               </a:ext>
             </a:extLst>
           </p:cNvPr>
@@ -2357,7 +2357,7 @@
           <p:cNvPr id="5" name="日期占位符 4">
             <a:extLst>
               <a:ext uri="{FF2B5EF4-FFF2-40B4-BE49-F238E27FC236}">
-                <a16:creationId xmlns:a16="http://schemas.microsoft.com/office/drawing/2014/main" id="{1691137F-0E71-FF26-4046-2B4DB3462D5D}"/>
+                <a16:creationId xmlns:a16="http://schemas.microsoft.com/office/drawing/2014/main" id="{3E082A4C-75D3-CC71-D05F-CFCF3B9BCC08}"/>
               </a:ext>
             </a:extLst>
           </p:cNvPr>
@@ -2373,7 +2373,7 @@
           <a:bodyPr/>
           <a:lstStyle/>
           <a:p>
-            <a:fld id="{D3D0588A-89AE-4152-BC9D-39897AED102E}" type="datetimeFigureOut">
+            <a:fld id="{4635EB52-A3ED-45F2-B4AA-76CA8A46D56E}" type="datetimeFigureOut">
               <a:rPr lang="zh-CN" altLang="en-US" smtClean="0"/>
               <a:t>2024/3/10</a:t>
             </a:fld>
@@ -2386,7 +2386,7 @@
           <p:cNvPr id="6" name="页脚占位符 5">
             <a:extLst>
               <a:ext uri="{FF2B5EF4-FFF2-40B4-BE49-F238E27FC236}">
-                <a16:creationId xmlns:a16="http://schemas.microsoft.com/office/drawing/2014/main" id="{2C595CAF-986F-11C0-5A84-816FAD5D48EF}"/>
+                <a16:creationId xmlns:a16="http://schemas.microsoft.com/office/drawing/2014/main" id="{3016CADB-ABEE-CF17-A334-82181A7A385F}"/>
               </a:ext>
             </a:extLst>
           </p:cNvPr>
@@ -2411,7 +2411,7 @@
           <p:cNvPr id="7" name="灯片编号占位符 6">
             <a:extLst>
               <a:ext uri="{FF2B5EF4-FFF2-40B4-BE49-F238E27FC236}">
-                <a16:creationId xmlns:a16="http://schemas.microsoft.com/office/drawing/2014/main" id="{6C6635AD-C98C-0A68-53CE-8E8E99CA96AD}"/>
+                <a16:creationId xmlns:a16="http://schemas.microsoft.com/office/drawing/2014/main" id="{4AC77BD4-36AD-58AE-5134-9E44A71110C5}"/>
               </a:ext>
             </a:extLst>
           </p:cNvPr>
@@ -2427,7 +2427,7 @@
           <a:bodyPr/>
           <a:lstStyle/>
           <a:p>
-            <a:fld id="{09309089-4A57-499B-8BBF-8B1926FB7CC1}" type="slidenum">
+            <a:fld id="{7B7939AF-65A4-4389-98D4-9E96641F08A4}" type="slidenum">
               <a:rPr lang="zh-CN" altLang="en-US" smtClean="0"/>
               <a:t>‹#›</a:t>
             </a:fld>
@@ -2438,7 +2438,7 @@
     </p:spTree>
     <p:extLst>
       <p:ext uri="{BB962C8B-B14F-4D97-AF65-F5344CB8AC3E}">
-        <p14:creationId xmlns:p14="http://schemas.microsoft.com/office/powerpoint/2010/main" val="2311722661"/>
+        <p14:creationId xmlns:p14="http://schemas.microsoft.com/office/powerpoint/2010/main" val="648761774"/>
       </p:ext>
     </p:extLst>
   </p:cSld>
@@ -2470,7 +2470,7 @@
           <p:cNvPr id="2" name="标题 1">
             <a:extLst>
               <a:ext uri="{FF2B5EF4-FFF2-40B4-BE49-F238E27FC236}">
-                <a16:creationId xmlns:a16="http://schemas.microsoft.com/office/drawing/2014/main" id="{651126B2-DD09-D4E4-B77D-ADF9261AAC9E}"/>
+                <a16:creationId xmlns:a16="http://schemas.microsoft.com/office/drawing/2014/main" id="{6D5C6C53-70A5-E0F4-E40A-34C86CE2F69C}"/>
               </a:ext>
             </a:extLst>
           </p:cNvPr>
@@ -2507,7 +2507,7 @@
           <p:cNvPr id="3" name="图片占位符 2">
             <a:extLst>
               <a:ext uri="{FF2B5EF4-FFF2-40B4-BE49-F238E27FC236}">
-                <a16:creationId xmlns:a16="http://schemas.microsoft.com/office/drawing/2014/main" id="{B1FA98C3-4531-903E-F5FF-84DB9CB0A41C}"/>
+                <a16:creationId xmlns:a16="http://schemas.microsoft.com/office/drawing/2014/main" id="{C8A5664E-A691-6132-FFBC-5F8C0D872C2A}"/>
               </a:ext>
             </a:extLst>
           </p:cNvPr>
@@ -2574,7 +2574,7 @@
           <p:cNvPr id="4" name="文本占位符 3">
             <a:extLst>
               <a:ext uri="{FF2B5EF4-FFF2-40B4-BE49-F238E27FC236}">
-                <a16:creationId xmlns:a16="http://schemas.microsoft.com/office/drawing/2014/main" id="{CDB5F0B3-7150-4725-DBE9-CF0F2DABF80F}"/>
+                <a16:creationId xmlns:a16="http://schemas.microsoft.com/office/drawing/2014/main" id="{914F08C8-581E-3C86-0A16-FF3797B19BF8}"/>
               </a:ext>
             </a:extLst>
           </p:cNvPr>
@@ -2645,7 +2645,7 @@
           <p:cNvPr id="5" name="日期占位符 4">
             <a:extLst>
               <a:ext uri="{FF2B5EF4-FFF2-40B4-BE49-F238E27FC236}">
-                <a16:creationId xmlns:a16="http://schemas.microsoft.com/office/drawing/2014/main" id="{2AD0FDB7-89EA-8836-9157-F26543B05611}"/>
+                <a16:creationId xmlns:a16="http://schemas.microsoft.com/office/drawing/2014/main" id="{737DF42C-D456-C0D9-198A-28A363ED37B5}"/>
               </a:ext>
             </a:extLst>
           </p:cNvPr>
@@ -2661,7 +2661,7 @@
           <a:bodyPr/>
           <a:lstStyle/>
           <a:p>
-            <a:fld id="{D3D0588A-89AE-4152-BC9D-39897AED102E}" type="datetimeFigureOut">
+            <a:fld id="{4635EB52-A3ED-45F2-B4AA-76CA8A46D56E}" type="datetimeFigureOut">
               <a:rPr lang="zh-CN" altLang="en-US" smtClean="0"/>
               <a:t>2024/3/10</a:t>
             </a:fld>
@@ -2674,7 +2674,7 @@
           <p:cNvPr id="6" name="页脚占位符 5">
             <a:extLst>
               <a:ext uri="{FF2B5EF4-FFF2-40B4-BE49-F238E27FC236}">
-                <a16:creationId xmlns:a16="http://schemas.microsoft.com/office/drawing/2014/main" id="{4254D4ED-4D36-C7B6-6CB8-7840245CFFBE}"/>
+                <a16:creationId xmlns:a16="http://schemas.microsoft.com/office/drawing/2014/main" id="{DD31A61B-8338-B55D-F495-9443C6430487}"/>
               </a:ext>
             </a:extLst>
           </p:cNvPr>
@@ -2699,7 +2699,7 @@
           <p:cNvPr id="7" name="灯片编号占位符 6">
             <a:extLst>
               <a:ext uri="{FF2B5EF4-FFF2-40B4-BE49-F238E27FC236}">
-                <a16:creationId xmlns:a16="http://schemas.microsoft.com/office/drawing/2014/main" id="{F02C748A-4FA3-B880-1891-99EF066FF875}"/>
+                <a16:creationId xmlns:a16="http://schemas.microsoft.com/office/drawing/2014/main" id="{6A3274A4-7F7E-3DB7-4DCC-C78B64751217}"/>
               </a:ext>
             </a:extLst>
           </p:cNvPr>
@@ -2715,7 +2715,7 @@
           <a:bodyPr/>
           <a:lstStyle/>
           <a:p>
-            <a:fld id="{09309089-4A57-499B-8BBF-8B1926FB7CC1}" type="slidenum">
+            <a:fld id="{7B7939AF-65A4-4389-98D4-9E96641F08A4}" type="slidenum">
               <a:rPr lang="zh-CN" altLang="en-US" smtClean="0"/>
               <a:t>‹#›</a:t>
             </a:fld>
@@ -2726,7 +2726,7 @@
     </p:spTree>
     <p:extLst>
       <p:ext uri="{BB962C8B-B14F-4D97-AF65-F5344CB8AC3E}">
-        <p14:creationId xmlns:p14="http://schemas.microsoft.com/office/powerpoint/2010/main" val="631439169"/>
+        <p14:creationId xmlns:p14="http://schemas.microsoft.com/office/powerpoint/2010/main" val="2298131723"/>
       </p:ext>
     </p:extLst>
   </p:cSld>
@@ -2763,7 +2763,7 @@
           <p:cNvPr id="2" name="标题占位符 1">
             <a:extLst>
               <a:ext uri="{FF2B5EF4-FFF2-40B4-BE49-F238E27FC236}">
-                <a16:creationId xmlns:a16="http://schemas.microsoft.com/office/drawing/2014/main" id="{326C6F58-3885-370C-725C-BB724B2D0D20}"/>
+                <a16:creationId xmlns:a16="http://schemas.microsoft.com/office/drawing/2014/main" id="{7013C41F-A9EB-E779-2AD5-1E41A81FC798}"/>
               </a:ext>
             </a:extLst>
           </p:cNvPr>
@@ -2801,7 +2801,7 @@
           <p:cNvPr id="3" name="文本占位符 2">
             <a:extLst>
               <a:ext uri="{FF2B5EF4-FFF2-40B4-BE49-F238E27FC236}">
-                <a16:creationId xmlns:a16="http://schemas.microsoft.com/office/drawing/2014/main" id="{DA459229-A669-07D1-896D-B8014EA4DAF1}"/>
+                <a16:creationId xmlns:a16="http://schemas.microsoft.com/office/drawing/2014/main" id="{248DB05F-0B85-A725-66EC-744DBD2E02C2}"/>
               </a:ext>
             </a:extLst>
           </p:cNvPr>
@@ -2868,7 +2868,7 @@
           <p:cNvPr id="4" name="日期占位符 3">
             <a:extLst>
               <a:ext uri="{FF2B5EF4-FFF2-40B4-BE49-F238E27FC236}">
-                <a16:creationId xmlns:a16="http://schemas.microsoft.com/office/drawing/2014/main" id="{F9D15ACD-5F4B-46E7-C038-103EFFDCD4F5}"/>
+                <a16:creationId xmlns:a16="http://schemas.microsoft.com/office/drawing/2014/main" id="{90174F11-40AE-D10A-CA42-ABA7D4CBAFA9}"/>
               </a:ext>
             </a:extLst>
           </p:cNvPr>
@@ -2902,7 +2902,7 @@
             </a:lvl1pPr>
           </a:lstStyle>
           <a:p>
-            <a:fld id="{D3D0588A-89AE-4152-BC9D-39897AED102E}" type="datetimeFigureOut">
+            <a:fld id="{4635EB52-A3ED-45F2-B4AA-76CA8A46D56E}" type="datetimeFigureOut">
               <a:rPr lang="zh-CN" altLang="en-US" smtClean="0"/>
               <a:t>2024/3/10</a:t>
             </a:fld>
@@ -2915,7 +2915,7 @@
           <p:cNvPr id="5" name="页脚占位符 4">
             <a:extLst>
               <a:ext uri="{FF2B5EF4-FFF2-40B4-BE49-F238E27FC236}">
-                <a16:creationId xmlns:a16="http://schemas.microsoft.com/office/drawing/2014/main" id="{3AB0EDA6-197F-0314-83C8-5539BDEB4078}"/>
+                <a16:creationId xmlns:a16="http://schemas.microsoft.com/office/drawing/2014/main" id="{7E48AA52-FC96-DC1D-17B6-60F7F80F59D5}"/>
               </a:ext>
             </a:extLst>
           </p:cNvPr>
@@ -2958,7 +2958,7 @@
           <p:cNvPr id="6" name="灯片编号占位符 5">
             <a:extLst>
               <a:ext uri="{FF2B5EF4-FFF2-40B4-BE49-F238E27FC236}">
-                <a16:creationId xmlns:a16="http://schemas.microsoft.com/office/drawing/2014/main" id="{AA477349-CD37-1FCD-502C-6D03CDBF6E51}"/>
+                <a16:creationId xmlns:a16="http://schemas.microsoft.com/office/drawing/2014/main" id="{E7CB499B-81B0-A73F-687E-D81BEA875347}"/>
               </a:ext>
             </a:extLst>
           </p:cNvPr>
@@ -2992,7 +2992,7 @@
             </a:lvl1pPr>
           </a:lstStyle>
           <a:p>
-            <a:fld id="{09309089-4A57-499B-8BBF-8B1926FB7CC1}" type="slidenum">
+            <a:fld id="{7B7939AF-65A4-4389-98D4-9E96641F08A4}" type="slidenum">
               <a:rPr lang="zh-CN" altLang="en-US" smtClean="0"/>
               <a:t>‹#›</a:t>
             </a:fld>
@@ -3003,7 +3003,7 @@
     </p:spTree>
     <p:extLst>
       <p:ext uri="{BB962C8B-B14F-4D97-AF65-F5344CB8AC3E}">
-        <p14:creationId xmlns:p14="http://schemas.microsoft.com/office/powerpoint/2010/main" val="464450168"/>
+        <p14:creationId xmlns:p14="http://schemas.microsoft.com/office/powerpoint/2010/main" val="3128305239"/>
       </p:ext>
     </p:extLst>
   </p:cSld>
